--- a/herman-dmdu-SALib-intro.pptx
+++ b/herman-dmdu-SALib-intro.pptx
@@ -3741,13 +3741,29 @@
             </a:pPr>
             <a:r>
               <a:rPr lang="en-US" sz="2400" dirty="0" smtClean="0"/>
-              <a:t>Installation: pip install </a:t>
-            </a:r>
-            <a:r>
-              <a:rPr lang="en-US" sz="2400" dirty="0" err="1" smtClean="0"/>
+              <a:t>Installation: </a:t>
+            </a:r>
+            <a:r>
+              <a:rPr lang="en-US" sz="2000" dirty="0" smtClean="0">
+                <a:latin typeface="Courier" charset="0"/>
+                <a:ea typeface="Courier" charset="0"/>
+                <a:cs typeface="Courier" charset="0"/>
+              </a:rPr>
+              <a:t>pip install </a:t>
+            </a:r>
+            <a:r>
+              <a:rPr lang="en-US" sz="2000" dirty="0" err="1" smtClean="0">
+                <a:latin typeface="Courier" charset="0"/>
+                <a:ea typeface="Courier" charset="0"/>
+                <a:cs typeface="Courier" charset="0"/>
+              </a:rPr>
               <a:t>SALib</a:t>
             </a:r>
-            <a:endParaRPr lang="en-US" sz="2400" dirty="0" smtClean="0"/>
+            <a:endParaRPr lang="en-US" sz="2000" dirty="0" smtClean="0">
+              <a:latin typeface="Courier" charset="0"/>
+              <a:ea typeface="Courier" charset="0"/>
+              <a:cs typeface="Courier" charset="0"/>
+            </a:endParaRPr>
           </a:p>
           <a:p>
             <a:pPr>
@@ -3756,7 +3772,27 @@
             </a:pPr>
             <a:r>
               <a:rPr lang="en-US" sz="2400" dirty="0" smtClean="0"/>
-              <a:t>Tutorial materials:</a:t>
+              <a:t>Tutorial </a:t>
+            </a:r>
+            <a:r>
+              <a:rPr lang="en-US" sz="2400" dirty="0"/>
+              <a:t>materials: </a:t>
+            </a:r>
+            <a:r>
+              <a:rPr lang="en-US" sz="2400" dirty="0">
+                <a:hlinkClick r:id="rId3"/>
+              </a:rPr>
+              <a:t>https://</a:t>
+            </a:r>
+            <a:r>
+              <a:rPr lang="en-US" sz="2400" dirty="0" smtClean="0">
+                <a:hlinkClick r:id="rId3"/>
+              </a:rPr>
+              <a:t>github.com/jdherman/DMDU-2018-SALib-Tutorial</a:t>
+            </a:r>
+            <a:r>
+              <a:rPr lang="en-US" sz="2400" dirty="0" smtClean="0"/>
+              <a:t> </a:t>
             </a:r>
             <a:endParaRPr lang="en-US" sz="2400" dirty="0"/>
           </a:p>
@@ -3851,7 +3887,7 @@
           <p:nvPr/>
         </p:nvPicPr>
         <p:blipFill>
-          <a:blip r:embed="rId3"/>
+          <a:blip r:embed="rId4"/>
           <a:stretch>
             <a:fillRect/>
           </a:stretch>
